--- a/KL_vedes.pptx
+++ b/KL_vedes.pptx
@@ -2,7 +2,7 @@
 <file path=ppt/presentation.xml><?xml version="1.0" encoding="utf-8"?>
 <p:presentation xmlns:a="http://schemas.openxmlformats.org/drawingml/2006/main" xmlns:r="http://schemas.openxmlformats.org/officeDocument/2006/relationships" xmlns:p="http://schemas.openxmlformats.org/presentationml/2006/main" saveSubsetFonts="1">
   <p:sldMasterIdLst>
-    <p:sldMasterId id="2147483660" r:id="rId1"/>
+    <p:sldMasterId id="2147483672" r:id="rId1"/>
   </p:sldMasterIdLst>
   <p:sldIdLst>
     <p:sldId id="256" r:id="rId2"/>
@@ -414,7 +414,7 @@
     </p:spTree>
     <p:extLst>
       <p:ext uri="{BB962C8B-B14F-4D97-AF65-F5344CB8AC3E}">
-        <p14:creationId xmlns:p14="http://schemas.microsoft.com/office/powerpoint/2010/main" val="3677931687"/>
+        <p14:creationId xmlns:p14="http://schemas.microsoft.com/office/powerpoint/2010/main" val="1368811794"/>
       </p:ext>
     </p:extLst>
   </p:cSld>
@@ -584,7 +584,7 @@
     </p:spTree>
     <p:extLst>
       <p:ext uri="{BB962C8B-B14F-4D97-AF65-F5344CB8AC3E}">
-        <p14:creationId xmlns:p14="http://schemas.microsoft.com/office/powerpoint/2010/main" val="3173919730"/>
+        <p14:creationId xmlns:p14="http://schemas.microsoft.com/office/powerpoint/2010/main" val="3053347997"/>
       </p:ext>
     </p:extLst>
   </p:cSld>
@@ -764,7 +764,7 @@
     </p:spTree>
     <p:extLst>
       <p:ext uri="{BB962C8B-B14F-4D97-AF65-F5344CB8AC3E}">
-        <p14:creationId xmlns:p14="http://schemas.microsoft.com/office/powerpoint/2010/main" val="3493188153"/>
+        <p14:creationId xmlns:p14="http://schemas.microsoft.com/office/powerpoint/2010/main" val="2977197842"/>
       </p:ext>
     </p:extLst>
   </p:cSld>
@@ -934,7 +934,7 @@
     </p:spTree>
     <p:extLst>
       <p:ext uri="{BB962C8B-B14F-4D97-AF65-F5344CB8AC3E}">
-        <p14:creationId xmlns:p14="http://schemas.microsoft.com/office/powerpoint/2010/main" val="1004418296"/>
+        <p14:creationId xmlns:p14="http://schemas.microsoft.com/office/powerpoint/2010/main" val="1213226738"/>
       </p:ext>
     </p:extLst>
   </p:cSld>
@@ -1220,7 +1220,7 @@
     </p:spTree>
     <p:extLst>
       <p:ext uri="{BB962C8B-B14F-4D97-AF65-F5344CB8AC3E}">
-        <p14:creationId xmlns:p14="http://schemas.microsoft.com/office/powerpoint/2010/main" val="52876313"/>
+        <p14:creationId xmlns:p14="http://schemas.microsoft.com/office/powerpoint/2010/main" val="618903726"/>
       </p:ext>
     </p:extLst>
   </p:cSld>
@@ -1508,7 +1508,7 @@
     </p:spTree>
     <p:extLst>
       <p:ext uri="{BB962C8B-B14F-4D97-AF65-F5344CB8AC3E}">
-        <p14:creationId xmlns:p14="http://schemas.microsoft.com/office/powerpoint/2010/main" val="3887241555"/>
+        <p14:creationId xmlns:p14="http://schemas.microsoft.com/office/powerpoint/2010/main" val="2722466564"/>
       </p:ext>
     </p:extLst>
   </p:cSld>
@@ -1932,7 +1932,7 @@
     </p:spTree>
     <p:extLst>
       <p:ext uri="{BB962C8B-B14F-4D97-AF65-F5344CB8AC3E}">
-        <p14:creationId xmlns:p14="http://schemas.microsoft.com/office/powerpoint/2010/main" val="1875022956"/>
+        <p14:creationId xmlns:p14="http://schemas.microsoft.com/office/powerpoint/2010/main" val="3388850850"/>
       </p:ext>
     </p:extLst>
   </p:cSld>
@@ -2050,7 +2050,7 @@
     </p:spTree>
     <p:extLst>
       <p:ext uri="{BB962C8B-B14F-4D97-AF65-F5344CB8AC3E}">
-        <p14:creationId xmlns:p14="http://schemas.microsoft.com/office/powerpoint/2010/main" val="1186519304"/>
+        <p14:creationId xmlns:p14="http://schemas.microsoft.com/office/powerpoint/2010/main" val="3902123971"/>
       </p:ext>
     </p:extLst>
   </p:cSld>
@@ -2145,7 +2145,7 @@
     </p:spTree>
     <p:extLst>
       <p:ext uri="{BB962C8B-B14F-4D97-AF65-F5344CB8AC3E}">
-        <p14:creationId xmlns:p14="http://schemas.microsoft.com/office/powerpoint/2010/main" val="2064136998"/>
+        <p14:creationId xmlns:p14="http://schemas.microsoft.com/office/powerpoint/2010/main" val="3279311723"/>
       </p:ext>
     </p:extLst>
   </p:cSld>
@@ -2435,7 +2435,7 @@
     </p:spTree>
     <p:extLst>
       <p:ext uri="{BB962C8B-B14F-4D97-AF65-F5344CB8AC3E}">
-        <p14:creationId xmlns:p14="http://schemas.microsoft.com/office/powerpoint/2010/main" val="3069358114"/>
+        <p14:creationId xmlns:p14="http://schemas.microsoft.com/office/powerpoint/2010/main" val="4078308217"/>
       </p:ext>
     </p:extLst>
   </p:cSld>
@@ -2707,7 +2707,7 @@
     </p:spTree>
     <p:extLst>
       <p:ext uri="{BB962C8B-B14F-4D97-AF65-F5344CB8AC3E}">
-        <p14:creationId xmlns:p14="http://schemas.microsoft.com/office/powerpoint/2010/main" val="1563250156"/>
+        <p14:creationId xmlns:p14="http://schemas.microsoft.com/office/powerpoint/2010/main" val="3710609917"/>
       </p:ext>
     </p:extLst>
   </p:cSld>
@@ -2993,23 +2993,23 @@
     </p:spTree>
     <p:extLst>
       <p:ext uri="{BB962C8B-B14F-4D97-AF65-F5344CB8AC3E}">
-        <p14:creationId xmlns:p14="http://schemas.microsoft.com/office/powerpoint/2010/main" val="861514637"/>
+        <p14:creationId xmlns:p14="http://schemas.microsoft.com/office/powerpoint/2010/main" val="3385247088"/>
       </p:ext>
     </p:extLst>
   </p:cSld>
   <p:clrMap bg1="lt1" tx1="dk1" bg2="lt2" tx2="dk2" accent1="accent1" accent2="accent2" accent3="accent3" accent4="accent4" accent5="accent5" accent6="accent6" hlink="hlink" folHlink="folHlink"/>
   <p:sldLayoutIdLst>
-    <p:sldLayoutId id="2147483661" r:id="rId1"/>
-    <p:sldLayoutId id="2147483662" r:id="rId2"/>
-    <p:sldLayoutId id="2147483663" r:id="rId3"/>
-    <p:sldLayoutId id="2147483664" r:id="rId4"/>
-    <p:sldLayoutId id="2147483665" r:id="rId5"/>
-    <p:sldLayoutId id="2147483666" r:id="rId6"/>
-    <p:sldLayoutId id="2147483667" r:id="rId7"/>
-    <p:sldLayoutId id="2147483668" r:id="rId8"/>
-    <p:sldLayoutId id="2147483669" r:id="rId9"/>
-    <p:sldLayoutId id="2147483670" r:id="rId10"/>
-    <p:sldLayoutId id="2147483671" r:id="rId11"/>
+    <p:sldLayoutId id="2147483673" r:id="rId1"/>
+    <p:sldLayoutId id="2147483674" r:id="rId2"/>
+    <p:sldLayoutId id="2147483675" r:id="rId3"/>
+    <p:sldLayoutId id="2147483676" r:id="rId4"/>
+    <p:sldLayoutId id="2147483677" r:id="rId5"/>
+    <p:sldLayoutId id="2147483678" r:id="rId6"/>
+    <p:sldLayoutId id="2147483679" r:id="rId7"/>
+    <p:sldLayoutId id="2147483680" r:id="rId8"/>
+    <p:sldLayoutId id="2147483681" r:id="rId9"/>
+    <p:sldLayoutId id="2147483682" r:id="rId10"/>
+    <p:sldLayoutId id="2147483683" r:id="rId11"/>
   </p:sldLayoutIdLst>
   <p:txStyles>
     <p:titleStyle>
@@ -3662,8 +3662,8 @@
         </p:blipFill>
         <p:spPr>
           <a:xfrm>
-            <a:off x="222127" y="234891"/>
-            <a:ext cx="4677044" cy="3959603"/>
+            <a:off x="4639216" y="2367977"/>
+            <a:ext cx="7336425" cy="4284464"/>
           </a:xfrm>
           <a:prstGeom prst="rect">
             <a:avLst/>
@@ -3684,8 +3684,8 @@
         </p:nvSpPr>
         <p:spPr>
           <a:xfrm>
-            <a:off x="5192785" y="385892"/>
-            <a:ext cx="6777088" cy="5262979"/>
+            <a:off x="3403801" y="272671"/>
+            <a:ext cx="8695546" cy="1938992"/>
           </a:xfrm>
           <a:prstGeom prst="rect">
             <a:avLst/>
@@ -3699,7 +3699,7 @@
           <a:lstStyle/>
           <a:p>
             <a:r>
-              <a:rPr lang="hu-HU" sz="2800" dirty="0">
+              <a:rPr lang="hu-HU" sz="2000" dirty="0">
                 <a:latin typeface="Times New Roman" panose="02020603050405020304" pitchFamily="18" charset="0"/>
                 <a:cs typeface="Times New Roman" panose="02020603050405020304" pitchFamily="18" charset="0"/>
               </a:rPr>
@@ -3708,7 +3708,7 @@
           </a:p>
           <a:p>
             <a:r>
-              <a:rPr lang="hu-HU" sz="2800" dirty="0">
+              <a:rPr lang="hu-HU" sz="2000" dirty="0">
                 <a:latin typeface="Times New Roman" panose="02020603050405020304" pitchFamily="18" charset="0"/>
                 <a:cs typeface="Times New Roman" panose="02020603050405020304" pitchFamily="18" charset="0"/>
               </a:rPr>
@@ -3716,44 +3716,20 @@
             </a:r>
           </a:p>
           <a:p>
-            <a:endParaRPr lang="hu-HU" sz="2800" dirty="0">
+            <a:endParaRPr lang="hu-HU" sz="2000" dirty="0">
               <a:latin typeface="Times New Roman" panose="02020603050405020304" pitchFamily="18" charset="0"/>
               <a:cs typeface="Times New Roman" panose="02020603050405020304" pitchFamily="18" charset="0"/>
             </a:endParaRPr>
           </a:p>
           <a:p>
-            <a:endParaRPr lang="hu-HU" sz="2800" dirty="0">
+            <a:endParaRPr lang="hu-HU" sz="2000" dirty="0">
               <a:latin typeface="Times New Roman" panose="02020603050405020304" pitchFamily="18" charset="0"/>
               <a:cs typeface="Times New Roman" panose="02020603050405020304" pitchFamily="18" charset="0"/>
             </a:endParaRPr>
           </a:p>
           <a:p>
-            <a:endParaRPr lang="hu-HU" sz="2800" dirty="0">
-              <a:latin typeface="Times New Roman" panose="02020603050405020304" pitchFamily="18" charset="0"/>
-              <a:cs typeface="Times New Roman" panose="02020603050405020304" pitchFamily="18" charset="0"/>
-            </a:endParaRPr>
-          </a:p>
-          <a:p>
-            <a:endParaRPr lang="hu-HU" sz="2800" dirty="0">
-              <a:latin typeface="Times New Roman" panose="02020603050405020304" pitchFamily="18" charset="0"/>
-              <a:cs typeface="Times New Roman" panose="02020603050405020304" pitchFamily="18" charset="0"/>
-            </a:endParaRPr>
-          </a:p>
-          <a:p>
-            <a:endParaRPr lang="hu-HU" sz="2800" dirty="0">
-              <a:latin typeface="Times New Roman" panose="02020603050405020304" pitchFamily="18" charset="0"/>
-              <a:cs typeface="Times New Roman" panose="02020603050405020304" pitchFamily="18" charset="0"/>
-            </a:endParaRPr>
-          </a:p>
-          <a:p>
-            <a:endParaRPr lang="hu-HU" sz="2800" dirty="0">
-              <a:latin typeface="Times New Roman" panose="02020603050405020304" pitchFamily="18" charset="0"/>
-              <a:cs typeface="Times New Roman" panose="02020603050405020304" pitchFamily="18" charset="0"/>
-            </a:endParaRPr>
-          </a:p>
-          <a:p>
-            <a:r>
-              <a:rPr lang="hu-HU" sz="2800" dirty="0">
+            <a:r>
+              <a:rPr lang="hu-HU" sz="2000" dirty="0">
                 <a:latin typeface="Times New Roman" panose="02020603050405020304" pitchFamily="18" charset="0"/>
                 <a:cs typeface="Times New Roman" panose="02020603050405020304" pitchFamily="18" charset="0"/>
               </a:rPr>
@@ -3762,21 +3738,21 @@
           </a:p>
           <a:p>
             <a:r>
-              <a:rPr lang="hu-HU" sz="2800" dirty="0">
+              <a:rPr lang="hu-HU" sz="2000" dirty="0">
                 <a:latin typeface="Times New Roman" panose="02020603050405020304" pitchFamily="18" charset="0"/>
                 <a:cs typeface="Times New Roman" panose="02020603050405020304" pitchFamily="18" charset="0"/>
               </a:rPr>
               <a:t>a 2 másik oldalnak ebben a részben a szöveg és képek </a:t>
             </a:r>
             <a:r>
-              <a:rPr lang="hu-HU" sz="2800" dirty="0" err="1">
+              <a:rPr lang="hu-HU" sz="2000" dirty="0" err="1">
                 <a:latin typeface="Times New Roman" panose="02020603050405020304" pitchFamily="18" charset="0"/>
                 <a:cs typeface="Times New Roman" panose="02020603050405020304" pitchFamily="18" charset="0"/>
               </a:rPr>
               <a:t>keresese,beillsztése</a:t>
             </a:r>
             <a:r>
-              <a:rPr lang="hu-HU" sz="2800" dirty="0">
+              <a:rPr lang="hu-HU" sz="2000" dirty="0">
                 <a:latin typeface="Times New Roman" panose="02020603050405020304" pitchFamily="18" charset="0"/>
                 <a:cs typeface="Times New Roman" panose="02020603050405020304" pitchFamily="18" charset="0"/>
               </a:rPr>
@@ -3785,6 +3761,36 @@
           </a:p>
         </p:txBody>
       </p:sp>
+      <p:pic>
+        <p:nvPicPr>
+          <p:cNvPr id="4" name="Kép 3">
+            <a:extLst>
+              <a:ext uri="{FF2B5EF4-FFF2-40B4-BE49-F238E27FC236}">
+                <a16:creationId xmlns:a16="http://schemas.microsoft.com/office/drawing/2014/main" id="{6DBA6E0E-44FA-4088-853D-8474B4353C2F}"/>
+              </a:ext>
+            </a:extLst>
+          </p:cNvPr>
+          <p:cNvPicPr>
+            <a:picLocks noChangeAspect="1"/>
+          </p:cNvPicPr>
+          <p:nvPr/>
+        </p:nvPicPr>
+        <p:blipFill>
+          <a:blip r:embed="rId3"/>
+          <a:stretch>
+            <a:fillRect/>
+          </a:stretch>
+        </p:blipFill>
+        <p:spPr>
+          <a:xfrm>
+            <a:off x="207112" y="205559"/>
+            <a:ext cx="3196689" cy="4609722"/>
+          </a:xfrm>
+          <a:prstGeom prst="rect">
+            <a:avLst/>
+          </a:prstGeom>
+        </p:spPr>
+      </p:pic>
     </p:spTree>
     <p:extLst>
       <p:ext uri="{BB962C8B-B14F-4D97-AF65-F5344CB8AC3E}">
@@ -3838,13 +3844,51 @@
         <p:spPr>
           <a:xfrm>
             <a:off x="209725" y="243281"/>
-            <a:ext cx="3733101" cy="3795581"/>
+            <a:ext cx="4219662" cy="4000286"/>
           </a:xfrm>
           <a:prstGeom prst="rect">
             <a:avLst/>
           </a:prstGeom>
         </p:spPr>
       </p:pic>
+      <p:sp>
+        <p:nvSpPr>
+          <p:cNvPr id="4" name="Szövegdoboz 3">
+            <a:extLst>
+              <a:ext uri="{FF2B5EF4-FFF2-40B4-BE49-F238E27FC236}">
+                <a16:creationId xmlns:a16="http://schemas.microsoft.com/office/drawing/2014/main" id="{CBEAE562-A18B-4400-8C69-A57E98AB9D2B}"/>
+              </a:ext>
+            </a:extLst>
+          </p:cNvPr>
+          <p:cNvSpPr txBox="1"/>
+          <p:nvPr/>
+        </p:nvSpPr>
+        <p:spPr>
+          <a:xfrm>
+            <a:off x="4429387" y="243281"/>
+            <a:ext cx="5540299" cy="523220"/>
+          </a:xfrm>
+          <a:prstGeom prst="rect">
+            <a:avLst/>
+          </a:prstGeom>
+          <a:noFill/>
+        </p:spPr>
+        <p:txBody>
+          <a:bodyPr wrap="none" rtlCol="0">
+            <a:spAutoFit/>
+          </a:bodyPr>
+          <a:lstStyle/>
+          <a:p>
+            <a:r>
+              <a:rPr lang="hu-HU" sz="2800" dirty="0">
+                <a:latin typeface="Times New Roman" panose="02020603050405020304" pitchFamily="18" charset="0"/>
+                <a:cs typeface="Times New Roman" panose="02020603050405020304" pitchFamily="18" charset="0"/>
+              </a:rPr>
+              <a:t>Ez az oldal a pozitív hatásokról szól </a:t>
+            </a:r>
+          </a:p>
+        </p:txBody>
+      </p:sp>
     </p:spTree>
     <p:extLst>
       <p:ext uri="{BB962C8B-B14F-4D97-AF65-F5344CB8AC3E}">
